--- a/lectures/lecture-20/Lecture 20 - Lecture.pptx
+++ b/lectures/lecture-20/Lecture 20 - Lecture.pptx
@@ -139,6 +139,358 @@
     </p:ext>
   </p:extLst>
 </p:presentation>
+</file>
+
+<file path=ppt/ink/ink1.xml><?xml version="1.0" encoding="utf-8"?>
+<inkml:ink xmlns:inkml="http://www.w3.org/2003/InkML">
+  <inkml:definitions>
+    <inkml:context xml:id="ctx0">
+      <inkml:inkSource xml:id="inkSrc0">
+        <inkml:traceFormat>
+          <inkml:channel name="X" type="integer" min="-2.14748E9" max="2.14748E9" units="cm"/>
+          <inkml:channel name="Y" type="integer" min="-2.14748E9" max="2.14748E9" units="cm"/>
+          <inkml:channel name="F" type="integer" max="32767" units="dev"/>
+          <inkml:channel name="OA" type="integer" max="360" units="deg"/>
+          <inkml:channel name="OE" type="integer" max="90" units="deg"/>
+        </inkml:traceFormat>
+        <inkml:channelProperties>
+          <inkml:channelProperty channel="X" name="resolution" value="1000" units="1/cm"/>
+          <inkml:channelProperty channel="Y" name="resolution" value="1000" units="1/cm"/>
+          <inkml:channelProperty channel="F" name="resolution" value="0" units="1/dev"/>
+          <inkml:channelProperty channel="OA" name="resolution" value="1000" units="1/deg"/>
+          <inkml:channelProperty channel="OE" name="resolution" value="1000" units="1/deg"/>
+        </inkml:channelProperties>
+      </inkml:inkSource>
+      <inkml:timestamp xml:id="ts0" timeString="2021-07-29T16:31:08.846"/>
+    </inkml:context>
+    <inkml:brush xml:id="br0">
+      <inkml:brushProperty name="width" value="0.05" units="cm"/>
+      <inkml:brushProperty name="height" value="0.05" units="cm"/>
+      <inkml:brushProperty name="color" value="#FF0066"/>
+    </inkml:brush>
+  </inkml:definitions>
+  <inkml:trace contextRef="#ctx0" brushRef="#br0">9 65 4144 0 0,'0'0'191'0'0,"0"1"-11"0"0,-9 18 14985 0 0,14-15-15322 0 0,-4-2-1191 0 0,1-1 1461 0 0,0 1 0 0 0,0-1-1 0 0,0 1 1 0 0,1-1 0 0 0,-1 0-1 0 0,0 0 1 0 0,1 0-1 0 0,-1 0 1 0 0,0-1 0 0 0,1 1-1 0 0,-1-1 1 0 0,1 1 0 0 0,-1-1-1 0 0,1 0 1 0 0,4 0-1 0 0,3-1 256 0 0,0 0 0 0 0,17-5-1 0 0,-4 1-128 0 0,6-1 296 0 0,129-18 1474 0 0,70 9-713 0 0,-81 19-920 0 0,-101 0-356 0 0,80-5 0 0 0,-16-9 1112 0 0,126 5 0 0 0,-123 11-666 0 0,151 2 831 0 0,-251-8-1278 0 0,0 1 0 0 0,0 0 0 0 0,12 3 0 0 0,-12-1 89 0 0,-1-1-1 0 0,1-1 0 0 0,17 0 0 0 0,86-13 756 0 0,-109 11-768 0 0,-6 1-78 0 0,0 0-1 0 0,0 0 1 0 0,0 0-1 0 0,0 0 1 0 0,0 0 0 0 0,0 0-1 0 0,0-1 1 0 0,0 1-1 0 0,-1 0 1 0 0,1-1 0 0 0,0 1-1 0 0,0 0 1 0 0,0-1-1 0 0,0 1 1 0 0,-1-1 0 0 0,1 1-1 0 0,0-1 1 0 0,-1 1-1 0 0,1-1 1 0 0,0 0-1 0 0,-1 1 1 0 0,1-1 0 0 0,-1 0-1 0 0,1 1 1 0 0,-1-1-1 0 0,1 0 1 0 0,-1 0 0 0 0,1 0-1 0 0,-1 1 1 0 0,0-1-1 0 0,1 0 1 0 0,-1 0 0 0 0,0 0-1 0 0,0 0 1 0 0,0 0-1 0 0,0-1 1 0 0,9-23-1077 0 0,-4 20-2964 0 0</inkml:trace>
+</inkml:ink>
+</file>
+
+<file path=ppt/ink/ink10.xml><?xml version="1.0" encoding="utf-8"?>
+<inkml:ink xmlns:inkml="http://www.w3.org/2003/InkML">
+  <inkml:definitions>
+    <inkml:context xml:id="ctx0">
+      <inkml:inkSource xml:id="inkSrc0">
+        <inkml:traceFormat>
+          <inkml:channel name="X" type="integer" min="-2.14748E9" max="2.14748E9" units="cm"/>
+          <inkml:channel name="Y" type="integer" min="-2.14748E9" max="2.14748E9" units="cm"/>
+          <inkml:channel name="F" type="integer" max="32767" units="dev"/>
+          <inkml:channel name="OA" type="integer" max="360" units="deg"/>
+          <inkml:channel name="OE" type="integer" max="90" units="deg"/>
+        </inkml:traceFormat>
+        <inkml:channelProperties>
+          <inkml:channelProperty channel="X" name="resolution" value="1000" units="1/cm"/>
+          <inkml:channelProperty channel="Y" name="resolution" value="1000" units="1/cm"/>
+          <inkml:channelProperty channel="F" name="resolution" value="0" units="1/dev"/>
+          <inkml:channelProperty channel="OA" name="resolution" value="1000" units="1/deg"/>
+          <inkml:channelProperty channel="OE" name="resolution" value="1000" units="1/deg"/>
+        </inkml:channelProperties>
+      </inkml:inkSource>
+      <inkml:timestamp xml:id="ts0" timeString="2021-07-29T16:32:07.234"/>
+    </inkml:context>
+    <inkml:brush xml:id="br0">
+      <inkml:brushProperty name="width" value="0.05" units="cm"/>
+      <inkml:brushProperty name="height" value="0.05" units="cm"/>
+      <inkml:brushProperty name="color" value="#FF0066"/>
+    </inkml:brush>
+  </inkml:definitions>
+  <inkml:trace contextRef="#ctx0" brushRef="#br0">1 145 6448 0 0,'0'0'8096'0'0,"21"-3"-6808"0"0,-19 3-1193 0 0,0-1 1 0 0,1 1 0 0 0,-1 0 0 0 0,0 0 0 0 0,1 0-1 0 0,-1 0 1 0 0,1 0 0 0 0,-1 0 0 0 0,0 1 0 0 0,1-1-1 0 0,-1 1 1 0 0,3 0 0 0 0,30 12 628 0 0,-34-13-694 0 0,19 8 426 0 0,1-2-1 0 0,0 0 1 0 0,43 6-1 0 0,64-5 1292 0 0,-74-5-1100 0 0,16 4-163 0 0,135 28 0 0 0,-160-21-317 0 0,-33-9-32 0 0,0 0 1 0 0,0-1-1 0 0,23 3 0 0 0,-12-1-160 0 0,-21-4 70 0 0,0 0 0 0 0,0-1-1 0 0,0 1 1 0 0,1 0 0 0 0,-1-1-1 0 0,0 0 1 0 0,0 1 0 0 0,0-1 0 0 0,1 0-1 0 0,-1 0 1 0 0,0 0 0 0 0,0-1-1 0 0,1 1 1 0 0,-1 0 0 0 0,0-1-1 0 0,0 1 1 0 0,0-1 0 0 0,3-1-1 0 0,-5 2 124 0 0,-3-19 316 0 0,1 10-426 0 0,1 5-31 0 0,0 1 1 0 0,0-1 0 0 0,0 0 0 0 0,-1 1 0 0 0,1-1 0 0 0,-1 1 0 0 0,0 0-1 0 0,0 0 1 0 0,-3-4 0 0 0,-21-25 14 0 0,14 16 17 0 0,-1 0 1 0 0,-1 1 0 0 0,-21-18-1 0 0,-1 0-75 0 0,25 21-22 0 0,-19-13 0 0 0,26 21 93 0 0,-27-16 52 0 0,39 44-243 0 0,-3-18 129 0 0,0-1 1 0 0,0 1-1 0 0,1-1 1 0 0,0 0-1 0 0,0-1 1 0 0,0 0 0 0 0,1 1-1 0 0,10 3 1 0 0,4 1 10 0 0,33 9-1 0 0,-1-1-6 0 0,-7-2 0 0 0,-29-11 35 0 0,27 12-1 0 0,-43-15-20 0 0,0-1 0 0 0,0 1 1 0 0,0-1-1 0 0,0 1 0 0 0,0-1 0 0 0,0 1 0 0 0,0 0 0 0 0,0-1 0 0 0,0 1 0 0 0,-1 0 0 0 0,1 0 0 0 0,0 0 1 0 0,0 0-1 0 0,0 1 0 0 0,-1-1-14 0 0,1-1 0 0 0,-1 1 0 0 0,0 0 0 0 0,0-1 1 0 0,0 1-1 0 0,0 0 0 0 0,0-1 0 0 0,0 1 0 0 0,0 0 0 0 0,0-1 0 0 0,0 1 1 0 0,0 0-1 0 0,0-1 0 0 0,0 1 0 0 0,-1-1 0 0 0,1 1 0 0 0,0 0 1 0 0,-1 0-1 0 0,-1 2 2 0 0,0 0 0 0 0,0 0 0 0 0,-1 0-1 0 0,1 0 1 0 0,-1-1 0 0 0,0 1 0 0 0,-4 2 0 0 0,-9 7 457 0 0,5-5-460 0 0,0 2 0 0 0,0 0 0 0 0,1 0 0 0 0,0 0 0 0 0,-14 19 0 0 0,21-24 57 0 0,-1 0 0 0 0,1 0-1 0 0,-1-1 1 0 0,0 1 0 0 0,1-1 0 0 0,-1 0-1 0 0,-1 0 1 0 0,1-1 0 0 0,0 1-1 0 0,-6 2 1 0 0,7-4-42 0 0,3 0-2 0 0,-3 1 47 0 0,-5-1-170 0 0,10-19-2345 0 0,4 8-1734 0 0</inkml:trace>
+</inkml:ink>
+</file>
+
+<file path=ppt/ink/ink11.xml><?xml version="1.0" encoding="utf-8"?>
+<inkml:ink xmlns:inkml="http://www.w3.org/2003/InkML">
+  <inkml:definitions>
+    <inkml:context xml:id="ctx0">
+      <inkml:inkSource xml:id="inkSrc0">
+        <inkml:traceFormat>
+          <inkml:channel name="X" type="integer" min="-2.14748E9" max="2.14748E9" units="cm"/>
+          <inkml:channel name="Y" type="integer" min="-2.14748E9" max="2.14748E9" units="cm"/>
+          <inkml:channel name="F" type="integer" max="32767" units="dev"/>
+          <inkml:channel name="OA" type="integer" max="360" units="deg"/>
+          <inkml:channel name="OE" type="integer" max="90" units="deg"/>
+        </inkml:traceFormat>
+        <inkml:channelProperties>
+          <inkml:channelProperty channel="X" name="resolution" value="1000" units="1/cm"/>
+          <inkml:channelProperty channel="Y" name="resolution" value="1000" units="1/cm"/>
+          <inkml:channelProperty channel="F" name="resolution" value="0" units="1/dev"/>
+          <inkml:channelProperty channel="OA" name="resolution" value="1000" units="1/deg"/>
+          <inkml:channelProperty channel="OE" name="resolution" value="1000" units="1/deg"/>
+        </inkml:channelProperties>
+      </inkml:inkSource>
+      <inkml:timestamp xml:id="ts0" timeString="2021-07-29T16:32:42.130"/>
+    </inkml:context>
+    <inkml:brush xml:id="br0">
+      <inkml:brushProperty name="width" value="0.05" units="cm"/>
+      <inkml:brushProperty name="height" value="0.05" units="cm"/>
+      <inkml:brushProperty name="color" value="#FF0066"/>
+    </inkml:brush>
+  </inkml:definitions>
+  <inkml:trace contextRef="#ctx0" brushRef="#br0">68 13 3224 0 0,'-4'55'288'0'0,"3"-53"204"0"0,-1 1 1 0 0,1-1 0 0 0,-1 1-1 0 0,0-1 1 0 0,0 0-1 0 0,-4 4 1 0 0,6-6-409 0 0,0-1 1 0 0,-1 1-1 0 0,1 0 1 0 0,0 0-1 0 0,-1 0 1 0 0,1 0 0 0 0,0-1-1 0 0,0 1 1 0 0,-1 0-1 0 0,1 0 1 0 0,0 0-1 0 0,0-1 1 0 0,-1 1-1 0 0,1 0 1 0 0,0-1-1 0 0,0 1 1 0 0,0 0-1 0 0,-1 0 1 0 0,1-1-1 0 0,0 1 1 0 0,0 0 0 0 0,0-1-1 0 0,0 1 1 0 0,0 0-1 0 0,0-1 1 0 0,0 0-1 0 0,-4-8 658 0 0,2 3 206 0 0,0 0 1 0 0,0 0 0 0 0,-1 1 0 0 0,-7-12 1790 0 0,8 15-1934 0 0,2 2-765 0 0,0 0 0 0 0,0-1 0 0 0,0 1 0 0 0,0 0-1 0 0,0 0 1 0 0,0 0 0 0 0,0 0 0 0 0,0 0 0 0 0,0 0 0 0 0,0-1-1 0 0,0 1 1 0 0,0 0 0 0 0,0 0 0 0 0,0 0 0 0 0,0 0 0 0 0,0 0-1 0 0,0 0 1 0 0,0 0 0 0 0,0-1 0 0 0,-1 1 0 0 0,1 0-1 0 0,0 0 1 0 0,0 0 0 0 0,0 0 0 0 0,0 0 0 0 0,0 0 0 0 0,0 0-1 0 0,0 0 1 0 0,-1 0 0 0 0,1 0 0 0 0,0 0 0 0 0,0 0 0 0 0,0 0-1 0 0,0 0 1 0 0,0 0 0 0 0,0 0 0 0 0,-1 0 0 0 0,1-1 119 0 0,-1 1-1 0 0,1 0 1 0 0,-1 0 0 0 0,1 0 0 0 0,-1 0-1 0 0,1 0 1 0 0,-1 0 0 0 0,1 0 0 0 0,-1 0-1 0 0,1 0 1 0 0,-1 0 0 0 0,1 0 0 0 0,-1 1 0 0 0,1-1-1 0 0,-1 0 1 0 0,1 0 0 0 0,-1 0 0 0 0,1 1-1 0 0,0-1 1 0 0,-1 0 0 0 0,1 0 0 0 0,-1 1-1 0 0,1-1 1 0 0,0 0 0 0 0,-1 1 0 0 0,1-1-1 0 0,0 0 1 0 0,-1 1 0 0 0,1-1 0 0 0,0 1 0 0 0,0-1-1 0 0,-1 1 1 0 0,1-1 0 0 0,0 1 0 0 0,0-1-1 0 0,0 0 1 0 0,-1 1 0 0 0,1-1 0 0 0,0 1-1 0 0,1 2 180 0 0,-1 0 1 0 0,1 0-1 0 0,-1-1 0 0 0,1 1 0 0 0,0 0 0 0 0,2 3 0 0 0,-1-2-846 0 0,-1-1 544 0 0,1 0 0 0 0,-1 0 0 0 0,1 0 0 0 0,0-1 0 0 0,0 1 0 0 0,0-1 0 0 0,0 1 1 0 0,0-1-1 0 0,0 0 0 0 0,1 0 0 0 0,-1 0 0 0 0,1 0 0 0 0,-1 0 0 0 0,1 0 0 0 0,5 2 0 0 0,-7-5-36 0 0,1 1 0 0 0,-1-1 0 0 0,1 1 0 0 0,-1-1 0 0 0,0 0 0 0 0,1 0 0 0 0,-1 1 0 0 0,0-1 0 0 0,0 0 0 0 0,0 0 0 0 0,0 0 0 0 0,2-2 0 0 0,13-9 0 0 0,-10 11 0 0 0,0 0 0 0 0,0 1 0 0 0,0 0 0 0 0,0 0 0 0 0,0 0 0 0 0,0 1 0 0 0,0-1 0 0 0,0 2 0 0 0,0-1 0 0 0,0 1 0 0 0,5 2 0 0 0,5 0 0 0 0,33 9 0 0 0,60 8 0 0 0,-107-21 0 0 0,122 12 29 0 0,-95-11-20 0 0,0 0 0 0 0,37-6 0 0 0,-27 0-9 0 0,54-15 0 0 0,-45 6 275 0 0,79-20-65 0 0,-98 29-279 0 0,0-1-67 0 0,1 1 0 0 0,45-1 0 0 0,38-1 136 0 0,0 1 402 0 0,0-1-4 0 0,201 2 467 0 0,30-7-493 0 0,-313 12-12 0 0,-16 0-5490 0 0</inkml:trace>
+</inkml:ink>
+</file>
+
+<file path=ppt/ink/ink2.xml><?xml version="1.0" encoding="utf-8"?>
+<inkml:ink xmlns:inkml="http://www.w3.org/2003/InkML">
+  <inkml:definitions>
+    <inkml:context xml:id="ctx0">
+      <inkml:inkSource xml:id="inkSrc0">
+        <inkml:traceFormat>
+          <inkml:channel name="X" type="integer" min="-2.14748E9" max="2.14748E9" units="cm"/>
+          <inkml:channel name="Y" type="integer" min="-2.14748E9" max="2.14748E9" units="cm"/>
+          <inkml:channel name="F" type="integer" max="32767" units="dev"/>
+          <inkml:channel name="OA" type="integer" max="360" units="deg"/>
+          <inkml:channel name="OE" type="integer" max="90" units="deg"/>
+        </inkml:traceFormat>
+        <inkml:channelProperties>
+          <inkml:channelProperty channel="X" name="resolution" value="1000" units="1/cm"/>
+          <inkml:channelProperty channel="Y" name="resolution" value="1000" units="1/cm"/>
+          <inkml:channelProperty channel="F" name="resolution" value="0" units="1/dev"/>
+          <inkml:channelProperty channel="OA" name="resolution" value="1000" units="1/deg"/>
+          <inkml:channelProperty channel="OE" name="resolution" value="1000" units="1/deg"/>
+        </inkml:channelProperties>
+      </inkml:inkSource>
+      <inkml:timestamp xml:id="ts0" timeString="2021-07-29T16:31:12.033"/>
+    </inkml:context>
+    <inkml:brush xml:id="br0">
+      <inkml:brushProperty name="width" value="0.05" units="cm"/>
+      <inkml:brushProperty name="height" value="0.05" units="cm"/>
+      <inkml:brushProperty name="color" value="#FF0066"/>
+    </inkml:brush>
+  </inkml:definitions>
+  <inkml:trace contextRef="#ctx0" brushRef="#br0">35 71 3680 0 0,'0'0'167'0'0,"-8"-1"1391"0"0,-1-3 2281 0 0,8 4-3584 0 0,1 0 0 0 0,-1 0 0 0 0,0 0 0 0 0,0-1-1 0 0,1 1 1 0 0,-1 0 0 0 0,0-1 0 0 0,1 1 0 0 0,-1 0 0 0 0,0-1 0 0 0,-2-2 2449 0 0,-4-6 4267 0 0,41 18-6015 0 0,-21-16-97 0 0,34 0 31 0 0,1 2-1 0 0,0 2 1 0 0,56 4-1 0 0,-31 0-370 0 0,18 0-440 0 0,340-12 875 0 0,22-19 61 0 0,-282 33-931 0 0,-57 4 392 0 0,0 0 131 0 0,45 3 250 0 0,-143-9-782 0 0,31-2-1 0 0,-7-1 1 0 0,-36 2-60 0 0,17-2 44 0 0,-20 1-58 0 0,5-1 41 0 0,19-5-2269 0 0,-13 3-1303 0 0,-4 0-3028 0 0</inkml:trace>
+</inkml:ink>
+</file>
+
+<file path=ppt/ink/ink3.xml><?xml version="1.0" encoding="utf-8"?>
+<inkml:ink xmlns:inkml="http://www.w3.org/2003/InkML">
+  <inkml:definitions>
+    <inkml:context xml:id="ctx0">
+      <inkml:inkSource xml:id="inkSrc0">
+        <inkml:traceFormat>
+          <inkml:channel name="X" type="integer" min="-2.14748E9" max="2.14748E9" units="cm"/>
+          <inkml:channel name="Y" type="integer" min="-2.14748E9" max="2.14748E9" units="cm"/>
+          <inkml:channel name="F" type="integer" max="32767" units="dev"/>
+          <inkml:channel name="OA" type="integer" max="360" units="deg"/>
+          <inkml:channel name="OE" type="integer" max="90" units="deg"/>
+        </inkml:traceFormat>
+        <inkml:channelProperties>
+          <inkml:channelProperty channel="X" name="resolution" value="1000" units="1/cm"/>
+          <inkml:channelProperty channel="Y" name="resolution" value="1000" units="1/cm"/>
+          <inkml:channelProperty channel="F" name="resolution" value="0" units="1/dev"/>
+          <inkml:channelProperty channel="OA" name="resolution" value="1000" units="1/deg"/>
+          <inkml:channelProperty channel="OE" name="resolution" value="1000" units="1/deg"/>
+        </inkml:channelProperties>
+      </inkml:inkSource>
+      <inkml:timestamp xml:id="ts0" timeString="2021-07-29T16:31:15.996"/>
+    </inkml:context>
+    <inkml:brush xml:id="br0">
+      <inkml:brushProperty name="width" value="0.05" units="cm"/>
+      <inkml:brushProperty name="height" value="0.05" units="cm"/>
+      <inkml:brushProperty name="color" value="#FF0066"/>
+    </inkml:brush>
+  </inkml:definitions>
+  <inkml:trace contextRef="#ctx0" brushRef="#br0">56 1 5120 0 0,'0'0'233'0'0,"-12"3"5877"0"0,8-1-5908 0 0,3 0 93 0 0,0 0 0 0 0,0 0 0 0 0,-1-1 0 0 0,1 1 0 0 0,-1 0 0 0 0,1-1 0 0 0,-4 3 0 0 0,3-3-41 0 0,0 1-1 0 0,1 0 1 0 0,-1-1-1 0 0,0 1 1 0 0,1 0-1 0 0,-3 3 1 0 0,4-4-88 0 0,-1 0 1 0 0,1-1 0 0 0,0 1 0 0 0,-1-1 0 0 0,1 0-1 0 0,-1 1 1 0 0,1-1 0 0 0,0 1 0 0 0,-1-1 0 0 0,1 0-1 0 0,-1 1 1 0 0,1-1 0 0 0,-1 0 0 0 0,1 1-1 0 0,-1-1 1 0 0,0 0 0 0 0,1 0 0 0 0,-1 0 0 0 0,1 1-1 0 0,-1-1 1 0 0,0 0 0 0 0,12-2 3354 0 0,11 6-3262 0 0,-19-3-236 0 0,0 0 0 0 0,0 0 0 0 0,-1-1 0 0 0,1 1 0 0 0,0-1 0 0 0,0 0 0 0 0,0 0 0 0 0,0 0 0 0 0,5-1 0 0 0,16-7 89 0 0,-16 5-60 0 0,0 0 0 0 0,1 1 0 0 0,15-3 0 0 0,52 0 211 0 0,39 9 177 0 0,52-3 273 0 0,27-7-127 0 0,-10 2-44 0 0,94-7 230 0 0,-165 9-400 0 0,-53 0-139 0 0,24-2 275 0 0,160 15-1 0 0,-195-4-153 0 0,1-2 0 0 0,0-1 0 0 0,54-5 0 0 0,41-7 731 0 0,-143 9-999 0 0,8-6 99 0 0,-9 4-173 0 0,16-6-3577 0 0</inkml:trace>
+</inkml:ink>
+</file>
+
+<file path=ppt/ink/ink4.xml><?xml version="1.0" encoding="utf-8"?>
+<inkml:ink xmlns:inkml="http://www.w3.org/2003/InkML">
+  <inkml:definitions>
+    <inkml:context xml:id="ctx0">
+      <inkml:inkSource xml:id="inkSrc0">
+        <inkml:traceFormat>
+          <inkml:channel name="X" type="integer" min="-2.14748E9" max="2.14748E9" units="cm"/>
+          <inkml:channel name="Y" type="integer" min="-2.14748E9" max="2.14748E9" units="cm"/>
+          <inkml:channel name="F" type="integer" max="32767" units="dev"/>
+          <inkml:channel name="OA" type="integer" max="360" units="deg"/>
+          <inkml:channel name="OE" type="integer" max="90" units="deg"/>
+        </inkml:traceFormat>
+        <inkml:channelProperties>
+          <inkml:channelProperty channel="X" name="resolution" value="1000" units="1/cm"/>
+          <inkml:channelProperty channel="Y" name="resolution" value="1000" units="1/cm"/>
+          <inkml:channelProperty channel="F" name="resolution" value="0" units="1/dev"/>
+          <inkml:channelProperty channel="OA" name="resolution" value="1000" units="1/deg"/>
+          <inkml:channelProperty channel="OE" name="resolution" value="1000" units="1/deg"/>
+        </inkml:channelProperties>
+      </inkml:inkSource>
+      <inkml:timestamp xml:id="ts0" timeString="2021-07-29T16:31:17.978"/>
+    </inkml:context>
+    <inkml:brush xml:id="br0">
+      <inkml:brushProperty name="width" value="0.05" units="cm"/>
+      <inkml:brushProperty name="height" value="0.05" units="cm"/>
+      <inkml:brushProperty name="color" value="#FF0066"/>
+    </inkml:brush>
+  </inkml:definitions>
+  <inkml:trace contextRef="#ctx0" brushRef="#br0">8 56 10336 0 0,'0'0'792'0'0,"0"0"-634"0"0,-1-1 0 0 0,1 1 0 0 0,0 0 0 0 0,-1 0 0 0 0,1 0 1 0 0,-1 0-1 0 0,1-1 0 0 0,-1 1 0 0 0,1 0 0 0 0,0 0 0 0 0,-1 0 1 0 0,1-1-1 0 0,0 1 0 0 0,-1 0 0 0 0,1-1 0 0 0,0 1 0 0 0,-1 0 0 0 0,1-1 1 0 0,0 1-1 0 0,-1-1 0 0 0,1 0-98 0 0,0 0 1 0 0,0 1-1 0 0,0-1 1 0 0,1 0-1 0 0,-1 0 1 0 0,0 0-1 0 0,0 1 1 0 0,0-1-1 0 0,0 0 1 0 0,1 0-1 0 0,-1 0 1 0 0,0 1-1 0 0,1-1 1 0 0,-1 0-1 0 0,1 1 0 0 0,-1-1 1 0 0,1 0-1 0 0,-1 1 1 0 0,1-1-1 0 0,-1 1 1 0 0,1-1-1 0 0,0 1 1 0 0,-1-1-1 0 0,1 1 1 0 0,0-1-1 0 0,-1 1 1 0 0,1-1-1 0 0,0 1 1 0 0,0 0-1 0 0,0 0 1 0 0,-1-1-1 0 0,1 1 1 0 0,0 0-1 0 0,0 0 1 0 0,0 0-1 0 0,7-2 280 0 0,0 1 0 0 0,15 0 0 0 0,-12 0 144 0 0,107-2 2025 0 0,59 15-46 0 0,-124-9-1645 0 0,68-3 0 0 0,-45-1-462 0 0,35-1 889 0 0,122-19 0 0 0,-157 14-273 0 0,87 1-1 0 0,-161 7-904 0 0,1 1-43 0 0,-2-1-115 0 0</inkml:trace>
+</inkml:ink>
+</file>
+
+<file path=ppt/ink/ink5.xml><?xml version="1.0" encoding="utf-8"?>
+<inkml:ink xmlns:inkml="http://www.w3.org/2003/InkML">
+  <inkml:definitions>
+    <inkml:context xml:id="ctx0">
+      <inkml:inkSource xml:id="inkSrc0">
+        <inkml:traceFormat>
+          <inkml:channel name="X" type="integer" min="-2.14748E9" max="2.14748E9" units="cm"/>
+          <inkml:channel name="Y" type="integer" min="-2.14748E9" max="2.14748E9" units="cm"/>
+          <inkml:channel name="F" type="integer" max="32767" units="dev"/>
+          <inkml:channel name="OA" type="integer" max="360" units="deg"/>
+          <inkml:channel name="OE" type="integer" max="90" units="deg"/>
+        </inkml:traceFormat>
+        <inkml:channelProperties>
+          <inkml:channelProperty channel="X" name="resolution" value="1000" units="1/cm"/>
+          <inkml:channelProperty channel="Y" name="resolution" value="1000" units="1/cm"/>
+          <inkml:channelProperty channel="F" name="resolution" value="0" units="1/dev"/>
+          <inkml:channelProperty channel="OA" name="resolution" value="1000" units="1/deg"/>
+          <inkml:channelProperty channel="OE" name="resolution" value="1000" units="1/deg"/>
+        </inkml:channelProperties>
+      </inkml:inkSource>
+      <inkml:timestamp xml:id="ts0" timeString="2021-07-29T16:31:18.813"/>
+    </inkml:context>
+    <inkml:brush xml:id="br0">
+      <inkml:brushProperty name="width" value="0.05" units="cm"/>
+      <inkml:brushProperty name="height" value="0.05" units="cm"/>
+      <inkml:brushProperty name="color" value="#FF0066"/>
+    </inkml:brush>
+  </inkml:definitions>
+  <inkml:trace contextRef="#ctx0" brushRef="#br0">22 1 4608 0 0,'-1'4'128'0'0,"1"-4"-98"0"0,0 1-1 0 0,0 0 1 0 0,-1 0-1 0 0,1 0 1 0 0,0 0 0 0 0,-1-1-1 0 0,1 1 1 0 0,0 0-1 0 0,-1 0 1 0 0,1-1-1 0 0,-1 1 1 0 0,-15 10 14098 0 0,23-10-12380 0 0,97 4 1380 0 0,-91-3-2826 0 0,0 0 0 0 0,15 5 0 0 0,13 2 179 0 0,11 0-448 0 0,31 4 949 0 0,-60-10-423 0 0,0-2 0 0 0,39-2 0 0 0,-50 0-585 0 0,-1 0-110 0 0,-1 0 1 0 0,12-3 0 0 0,-13 1 242 0 0,-3 1 81 0 0,0 1 1 0 0,0-1-1 0 0,0 1 0 0 0,0 1 1 0 0,12-1-1 0 0,-14 0-202 0 0,-1 1 0 0 0,0-1 0 0 0,0 0 0 0 0,1 0 0 0 0,-1 0-1 0 0,0 0 1 0 0,0 0 0 0 0,0-1 0 0 0,-1 0 0 0 0,1 1 0 0 0,4-4 0 0 0,-4 2-401 0 0,1 1 1 0 0,-1 0-1 0 0,0 0 1 0 0,1 0-1 0 0,-1 0 1 0 0,1 1-1 0 0,0 0 1 0 0,6-2-1 0 0,-2 2-1278 0 0,1-2-262 0 0</inkml:trace>
+</inkml:ink>
+</file>
+
+<file path=ppt/ink/ink6.xml><?xml version="1.0" encoding="utf-8"?>
+<inkml:ink xmlns:inkml="http://www.w3.org/2003/InkML">
+  <inkml:definitions>
+    <inkml:context xml:id="ctx0">
+      <inkml:inkSource xml:id="inkSrc0">
+        <inkml:traceFormat>
+          <inkml:channel name="X" type="integer" min="-2.14748E9" max="2.14748E9" units="cm"/>
+          <inkml:channel name="Y" type="integer" min="-2.14748E9" max="2.14748E9" units="cm"/>
+          <inkml:channel name="F" type="integer" max="32767" units="dev"/>
+          <inkml:channel name="OA" type="integer" max="360" units="deg"/>
+          <inkml:channel name="OE" type="integer" max="90" units="deg"/>
+        </inkml:traceFormat>
+        <inkml:channelProperties>
+          <inkml:channelProperty channel="X" name="resolution" value="1000" units="1/cm"/>
+          <inkml:channelProperty channel="Y" name="resolution" value="1000" units="1/cm"/>
+          <inkml:channelProperty channel="F" name="resolution" value="0" units="1/dev"/>
+          <inkml:channelProperty channel="OA" name="resolution" value="1000" units="1/deg"/>
+          <inkml:channelProperty channel="OE" name="resolution" value="1000" units="1/deg"/>
+        </inkml:channelProperties>
+      </inkml:inkSource>
+      <inkml:timestamp xml:id="ts0" timeString="2021-07-29T16:31:27.341"/>
+    </inkml:context>
+    <inkml:brush xml:id="br0">
+      <inkml:brushProperty name="width" value="0.05" units="cm"/>
+      <inkml:brushProperty name="height" value="0.05" units="cm"/>
+      <inkml:brushProperty name="color" value="#FF0066"/>
+    </inkml:brush>
+  </inkml:definitions>
+  <inkml:trace contextRef="#ctx0" brushRef="#br0">19 4 3224 0 0,'-1'0'240'0'0,"-2"1"20"0"0,2 0 33 0 0,1-1-1 0 0,-1 1 1 0 0,0-1 0 0 0,1 1 0 0 0,-1-1 0 0 0,1 1 0 0 0,-1-1-1 0 0,1 1 1 0 0,-1-1 0 0 0,1 1 0 0 0,-1 0 0 0 0,1-1-1 0 0,0 1 1 0 0,-1 0 0 0 0,1-1 0 0 0,-2 5 3111 0 0,-1-13-2079 0 0,3 8-1209 0 0,0 0-1 0 0,0 0 0 0 0,-1-1 0 0 0,1 1 1 0 0,0 0-1 0 0,0 0 0 0 0,0 0 0 0 0,0-1 1 0 0,0 1-1 0 0,0 0 0 0 0,-1-1 0 0 0,1 1 1 0 0,0 0-1 0 0,0 0 0 0 0,0-1 0 0 0,0 1 1 0 0,0 0-1 0 0,0 0 0 0 0,0-1 0 0 0,0 1 1 0 0,0 0-1 0 0,0-1 0 0 0,1 1 0 0 0,-1 0 1 0 0,0 0-1 0 0,0-1 0 0 0,0 1 0 0 0,0 0 1 0 0,0 0-1 0 0,0-1 0 0 0,1 1 0 0 0,-1 0 1 0 0,0 0-1 0 0,0 0 0 0 0,0-1 0 0 0,0 1 1 0 0,1 0-1 0 0,-1 0 0 0 0,0 0 0 0 0,0 0 1 0 0,1-1-1 0 0,-1 1 0 0 0,0 0 0 0 0,0 0 1 0 0,1 0-1 0 0,-1 0 0 0 0,0 0 0 0 0,0 0 1 0 0,1 0-1 0 0,-1 0 0 0 0,0 0 0 0 0,0 0 1 0 0,1 0-1 0 0,-1 0 0 0 0,0 0 0 0 0,1 0 1 0 0,-1 0-1 0 0,0 0 0 0 0,0 0 1 0 0,1 0-1 0 0,-1 0 0 0 0,0 0 0 0 0,1 1 0 0 0,3-1-987 0 0,17 1 1635 0 0,23 4 0 0 0,-22-2-542 0 0,24 0-1 0 0,42 1 206 0 0,88 16 1 0 0,-170-19-407 0 0,25 2 441 0 0,34-2 0 0 0,22 2-402 0 0,-34 3-403 0 0,-5 1 334 0 0,-1-3-1 0 0,1-1 0 0 0,48-5 1 0 0,18-7 433 0 0,100-15 943 0 0,-162 17-1130 0 0,0 1 1 0 0,71 3-1 0 0,-35 7-265 0 0,107 19 0 0 0,-67-6 87 0 0,-28-5-44 0 0,130 12 36 0 0,-127-12-50 0 0,-50-5 0 0 0,-11-4 429 0 0,0-2-1 0 0,62-7 1 0 0,11 1 198 0 0,54-5-1117 0 0,-133 7 614 0 0,91-11 209 0 0,49-2 355 0 0,127 8 152 0 0,-107 18-640 0 0,-167-8-192 0 0,16 2-1399 0 0,-31-3-186 0 0</inkml:trace>
+</inkml:ink>
+</file>
+
+<file path=ppt/ink/ink7.xml><?xml version="1.0" encoding="utf-8"?>
+<inkml:ink xmlns:inkml="http://www.w3.org/2003/InkML">
+  <inkml:definitions>
+    <inkml:context xml:id="ctx0">
+      <inkml:inkSource xml:id="inkSrc0">
+        <inkml:traceFormat>
+          <inkml:channel name="X" type="integer" min="-2.14748E9" max="2.14748E9" units="cm"/>
+          <inkml:channel name="Y" type="integer" min="-2.14748E9" max="2.14748E9" units="cm"/>
+          <inkml:channel name="F" type="integer" max="32767" units="dev"/>
+          <inkml:channel name="OA" type="integer" max="360" units="deg"/>
+          <inkml:channel name="OE" type="integer" max="90" units="deg"/>
+        </inkml:traceFormat>
+        <inkml:channelProperties>
+          <inkml:channelProperty channel="X" name="resolution" value="1000" units="1/cm"/>
+          <inkml:channelProperty channel="Y" name="resolution" value="1000" units="1/cm"/>
+          <inkml:channelProperty channel="F" name="resolution" value="0" units="1/dev"/>
+          <inkml:channelProperty channel="OA" name="resolution" value="1000" units="1/deg"/>
+          <inkml:channelProperty channel="OE" name="resolution" value="1000" units="1/deg"/>
+        </inkml:channelProperties>
+      </inkml:inkSource>
+      <inkml:timestamp xml:id="ts0" timeString="2021-07-29T16:31:40.362"/>
+    </inkml:context>
+    <inkml:brush xml:id="br0">
+      <inkml:brushProperty name="width" value="0.05" units="cm"/>
+      <inkml:brushProperty name="height" value="0.05" units="cm"/>
+      <inkml:brushProperty name="color" value="#FF0066"/>
+    </inkml:brush>
+  </inkml:definitions>
+  <inkml:trace contextRef="#ctx0" brushRef="#br0">59 173 2760 0 0,'0'0'388'0'0,"-20"-3"4317"0"0,15-1-4541 0 0,5 4 200 0 0,-1-1 1 0 0,1 1 0 0 0,-1-1 0 0 0,1 1-1 0 0,-1-1 1 0 0,0 1 0 0 0,1 0 0 0 0,-1-1-1 0 0,0 1 1 0 0,1 0 0 0 0,-1-1 0 0 0,0 1-1 0 0,0 0 1 0 0,1 0 0 0 0,-1 0 0 0 0,0 0-1 0 0,-1-1 1 0 0,-19 7 8400 0 0,32-2-8699 0 0,0 0-1 0 0,0-1 1 0 0,21 3-1 0 0,-21-4-155 0 0,4 0 87 0 0,1-1 0 0 0,-1 0 0 0 0,23-3 0 0 0,2 0-1 0 0,-30 2 4 0 0,1-1 0 0 0,0-1 0 0 0,12-3 0 0 0,-13 2 0 0 0,1 1 0 0 0,-1 1 0 0 0,13-1 0 0 0,46 6 0 0 0,-50-2 0 0 0,1-1 0 0 0,-1 0 0 0 0,1-2 0 0 0,23-3 0 0 0,40-18 141 0 0,-2 1-10 0 0,92-18-339 0 0,-121 29 376 0 0,60-9-336 0 0,-13 4 168 0 0,-52 6 0 0 0,0 3 0 0 0,0 2 0 0 0,62 2 0 0 0,-48 5 0 0 0,-48-3 12 0 0,-1 0 0 0 0,21-3 0 0 0,-5 1 114 0 0,28-3-144 0 0,-29 2-50 0 0,44 0 0 0 0,-53 3 68 0 0,29-3 0 0 0,-30 1 0 0 0,34 1 0 0 0,154 1 896 0 0,-18-1 35 0 0,-11-1-474 0 0,-60-1 315 0 0,-102 3-563 0 0,1 1 0 0 0,-1 0 0 0 0,21 5 0 0 0,-26-3-402 0 0,-6-2 228 0 0,1 0-1 0 0,-1 0 1 0 0,1-1 0 0 0,-1 1-1 0 0,5 0 1 0 0</inkml:trace>
+</inkml:ink>
+</file>
+
+<file path=ppt/ink/ink8.xml><?xml version="1.0" encoding="utf-8"?>
+<inkml:ink xmlns:inkml="http://www.w3.org/2003/InkML">
+  <inkml:definitions>
+    <inkml:context xml:id="ctx0">
+      <inkml:inkSource xml:id="inkSrc0">
+        <inkml:traceFormat>
+          <inkml:channel name="X" type="integer" min="-2.14748E9" max="2.14748E9" units="cm"/>
+          <inkml:channel name="Y" type="integer" min="-2.14748E9" max="2.14748E9" units="cm"/>
+          <inkml:channel name="F" type="integer" max="32767" units="dev"/>
+          <inkml:channel name="OA" type="integer" max="360" units="deg"/>
+          <inkml:channel name="OE" type="integer" max="90" units="deg"/>
+        </inkml:traceFormat>
+        <inkml:channelProperties>
+          <inkml:channelProperty channel="X" name="resolution" value="1000" units="1/cm"/>
+          <inkml:channelProperty channel="Y" name="resolution" value="1000" units="1/cm"/>
+          <inkml:channelProperty channel="F" name="resolution" value="0" units="1/dev"/>
+          <inkml:channelProperty channel="OA" name="resolution" value="1000" units="1/deg"/>
+          <inkml:channelProperty channel="OE" name="resolution" value="1000" units="1/deg"/>
+        </inkml:channelProperties>
+      </inkml:inkSource>
+      <inkml:timestamp xml:id="ts0" timeString="2021-07-29T16:31:46.289"/>
+    </inkml:context>
+    <inkml:brush xml:id="br0">
+      <inkml:brushProperty name="width" value="0.05" units="cm"/>
+      <inkml:brushProperty name="height" value="0.05" units="cm"/>
+      <inkml:brushProperty name="color" value="#FF0066"/>
+    </inkml:brush>
+  </inkml:definitions>
+  <inkml:trace contextRef="#ctx0" brushRef="#br0">1 0 4376 0 0,'2'23'7481'0'0,"5"-1"-4802"0"0,-6-20-2632 0 0,0 0 0 0 0,0-1 0 0 0,0 1 0 0 0,0 0 1 0 0,0 0-1 0 0,1-1 0 0 0,-1 1 0 0 0,0-1 0 0 0,1 1 1 0 0,0-1-1 0 0,-1 0 0 0 0,1 1 0 0 0,0-1 0 0 0,0 0 1 0 0,-1 0-1 0 0,1 0 0 0 0,0-1 0 0 0,0 1 0 0 0,3 0 1 0 0,-1 0-26 0 0,0-1 1 0 0,0 0 0 0 0,0-1-1 0 0,0 1 1 0 0,7-2 0 0 0,0 0 325 0 0,23-3 579 0 0,-19 3-487 0 0,26-2 0 0 0,-38 4-431 0 0,0 1-1 0 0,0-1 1 0 0,0 0-1 0 0,-1 1 1 0 0,1 0-1 0 0,0-1 1 0 0,3 3-1 0 0,0-1-106 0 0,22 5 166 0 0,32 5 0 0 0,-52-11-306 0 0,41 6 970 0 0,-33-5-496 0 0,-1-1 0 0 0,1-1 0 0 0,24-3 0 0 0,9 1-160 0 0,176 9 1668 0 0,-54-8-1291 0 0,-125-2-434 0 0,34 0-128 0 0,130-10 802 0 0,-64 1 243 0 0,-130 12-807 0 0,0 0 0 0 0,20 2 0 0 0,9 1-132 0 0,-21-2 153 0 0,-1 1 0 0 0,37 7 0 0 0,-26-11 1456 0 0,-18-4-1606 0 0,-13 3 1 0 0,1 2-16 0 0,0-2-130 0 0,-2 1-877 0 0</inkml:trace>
+</inkml:ink>
+</file>
+
+<file path=ppt/ink/ink9.xml><?xml version="1.0" encoding="utf-8"?>
+<inkml:ink xmlns:inkml="http://www.w3.org/2003/InkML">
+  <inkml:definitions>
+    <inkml:context xml:id="ctx0">
+      <inkml:inkSource xml:id="inkSrc0">
+        <inkml:traceFormat>
+          <inkml:channel name="X" type="integer" min="-2.14748E9" max="2.14748E9" units="cm"/>
+          <inkml:channel name="Y" type="integer" min="-2.14748E9" max="2.14748E9" units="cm"/>
+          <inkml:channel name="F" type="integer" max="32767" units="dev"/>
+          <inkml:channel name="OA" type="integer" max="360" units="deg"/>
+          <inkml:channel name="OE" type="integer" max="90" units="deg"/>
+        </inkml:traceFormat>
+        <inkml:channelProperties>
+          <inkml:channelProperty channel="X" name="resolution" value="1000" units="1/cm"/>
+          <inkml:channelProperty channel="Y" name="resolution" value="1000" units="1/cm"/>
+          <inkml:channelProperty channel="F" name="resolution" value="0" units="1/dev"/>
+          <inkml:channelProperty channel="OA" name="resolution" value="1000" units="1/deg"/>
+          <inkml:channelProperty channel="OE" name="resolution" value="1000" units="1/deg"/>
+        </inkml:channelProperties>
+      </inkml:inkSource>
+      <inkml:timestamp xml:id="ts0" timeString="2021-07-29T16:31:47.932"/>
+    </inkml:context>
+    <inkml:brush xml:id="br0">
+      <inkml:brushProperty name="width" value="0.05" units="cm"/>
+      <inkml:brushProperty name="height" value="0.05" units="cm"/>
+      <inkml:brushProperty name="color" value="#FF0066"/>
+    </inkml:brush>
+  </inkml:definitions>
+  <inkml:trace contextRef="#ctx0" brushRef="#br0">7 39 7224 0 0,'-7'-11'11629'0'0,"7"9"-9699"0"0,1 2-1921 0 0,-1 0-1 0 0,0 0 0 0 0,0 0 0 0 0,0 0 0 0 0,0-1 1 0 0,1 1-1 0 0,-1 0 0 0 0,0 0 0 0 0,0 0 1 0 0,0 0-1 0 0,0 0 0 0 0,1 0 0 0 0,-1 0 0 0 0,0 0 1 0 0,0 0-1 0 0,0 0 0 0 0,1 0 0 0 0,-1 0 1 0 0,0 0-1 0 0,0 0 0 0 0,0 0 0 0 0,1 0 0 0 0,-1 0 1 0 0,0 0-1 0 0,0 0 0 0 0,0 0 0 0 0,0 0 1 0 0,1 1-1 0 0,-1-1 0 0 0,0 0 0 0 0,0 0 0 0 0,0 0 1 0 0,0 0-1 0 0,1 0 0 0 0,-1 0 0 0 0,0 1 1 0 0,0-1-1 0 0,0 0 0 0 0,0 0 0 0 0,0 0 0 0 0,0 0 1 0 0,0 1-1 0 0,0-1 0 0 0,1 0 0 0 0,-1 0 1 0 0,0 0-1 0 0,0 1 0 0 0,0-1 0 0 0,6 11 198 0 0,-5-10-236 0 0,1 1 60 0 0,-1 0 0 0 0,1 1 0 0 0,0-1 0 0 0,0 0 0 0 0,0 0 0 0 0,0 0 0 0 0,1 0 1 0 0,-1 0-1 0 0,0-1 0 0 0,1 1 0 0 0,-1-1 0 0 0,1 1 0 0 0,0-1 0 0 0,3 1 0 0 0,4 1 180 0 0,0 0 0 0 0,18 1 0 0 0,-4 0-242 0 0,-13-3 89 0 0,0 0 1 0 0,15-1-1 0 0,-15 0-48 0 0,0 0 0 0 0,15 3 0 0 0,42 4 44 0 0,101 8 649 0 0,-137-13-1133 0 0,4 0 495 0 0,-1-1 1 0 0,60-5-1 0 0,42-14 320 0 0,-48 6-81 0 0,95-9-22 0 0,-102 11-309 0 0,-17 1 239 0 0,188-6 312 0 0,-99 3 75 0 0,-30 2-422 0 0,46 6 28 0 0,-134 7 204 0 0,-25-1 13 0 0,1 0 0 0 0,17 7 0 0 0,-28-9-321 0 0,-1 0-98 0 0,0 0 1 0 0,1 0-1 0 0,-1 0 0 0 0,0 0 1 0 0,1 0-1 0 0,-1 0 0 0 0,0 0 1 0 0,1 0-1 0 0,-1 0 0 0 0,0 1 1 0 0,0-1-1 0 0,1 0 0 0 0,-1 0 1 0 0,0 0-1 0 0,0 0 0 0 0,1 1 1 0 0,-1-1-1 0 0,0 0 0 0 0,0 0 1 0 0,1 1-1 0 0,-1-1 0 0 0,0 0 1 0 0,0 0-1 0 0,0 1 0 0 0,0-1 1 0 0,1 0-1 0 0,-1 1 0 0 0,1 5-2 0 0,-2 1-64 0 0,1-6-273 0 0,0 0 243 0 0,-1 0 1 0 0,1 0 0 0 0,-1-1-1 0 0,1 1 1 0 0,-1 0 0 0 0,1-1-1 0 0,-1 1 1 0 0,1 0 0 0 0,-1-1-1 0 0,0 1 1 0 0,1-1 0 0 0,-1 1-1 0 0,0-1 1 0 0,0 1-1 0 0,1-1 1 0 0,-1 0 0 0 0,0 1-1 0 0,-1-1 1 0 0,1 1-261 0 0,-1 0-1 0 0,1-1 1 0 0,-1 1-1 0 0,0-1 1 0 0,1 1-1 0 0,-1-1 1 0 0,0 0-1 0 0,1 0 1 0 0,-4 1-1 0 0</inkml:trace>
+</inkml:ink>
 </file>
 
 <file path=ppt/notesMasters/notesMaster1.xml><?xml version="1.0" encoding="utf-8"?>
@@ -833,7 +1185,7 @@
           <a:p>
             <a:fld id="{3A2BF66F-FEB0-48C1-A8B9-A73F54BB1A08}" type="datetimeFigureOut">
               <a:rPr lang="en-US" smtClean="0"/>
-              <a:t>7/28/2021</a:t>
+              <a:t>7/29/2021</a:t>
             </a:fld>
             <a:endParaRPr lang="en-US" dirty="0"/>
           </a:p>
@@ -1041,7 +1393,7 @@
           <a:p>
             <a:fld id="{3A2BF66F-FEB0-48C1-A8B9-A73F54BB1A08}" type="datetimeFigureOut">
               <a:rPr lang="en-US" smtClean="0"/>
-              <a:t>7/28/2021</a:t>
+              <a:t>7/29/2021</a:t>
             </a:fld>
             <a:endParaRPr lang="en-US" dirty="0"/>
           </a:p>
@@ -1259,7 +1611,7 @@
           <a:p>
             <a:fld id="{3A2BF66F-FEB0-48C1-A8B9-A73F54BB1A08}" type="datetimeFigureOut">
               <a:rPr lang="en-US" smtClean="0"/>
-              <a:t>7/28/2021</a:t>
+              <a:t>7/29/2021</a:t>
             </a:fld>
             <a:endParaRPr lang="en-US" dirty="0"/>
           </a:p>
@@ -1467,7 +1819,7 @@
           <a:p>
             <a:fld id="{3A2BF66F-FEB0-48C1-A8B9-A73F54BB1A08}" type="datetimeFigureOut">
               <a:rPr lang="en-US" smtClean="0"/>
-              <a:t>7/28/2021</a:t>
+              <a:t>7/29/2021</a:t>
             </a:fld>
             <a:endParaRPr lang="en-US" dirty="0"/>
           </a:p>
@@ -1752,7 +2104,7 @@
           <a:p>
             <a:fld id="{3A2BF66F-FEB0-48C1-A8B9-A73F54BB1A08}" type="datetimeFigureOut">
               <a:rPr lang="en-US" smtClean="0"/>
-              <a:t>7/28/2021</a:t>
+              <a:t>7/29/2021</a:t>
             </a:fld>
             <a:endParaRPr lang="en-US" dirty="0"/>
           </a:p>
@@ -2027,7 +2379,7 @@
           <a:p>
             <a:fld id="{3A2BF66F-FEB0-48C1-A8B9-A73F54BB1A08}" type="datetimeFigureOut">
               <a:rPr lang="en-US" smtClean="0"/>
-              <a:t>7/28/2021</a:t>
+              <a:t>7/29/2021</a:t>
             </a:fld>
             <a:endParaRPr lang="en-US" dirty="0"/>
           </a:p>
@@ -2449,7 +2801,7 @@
           <a:p>
             <a:fld id="{3A2BF66F-FEB0-48C1-A8B9-A73F54BB1A08}" type="datetimeFigureOut">
               <a:rPr lang="en-US" smtClean="0"/>
-              <a:t>7/28/2021</a:t>
+              <a:t>7/29/2021</a:t>
             </a:fld>
             <a:endParaRPr lang="en-US" dirty="0"/>
           </a:p>
@@ -2600,7 +2952,7 @@
           <a:p>
             <a:fld id="{3A2BF66F-FEB0-48C1-A8B9-A73F54BB1A08}" type="datetimeFigureOut">
               <a:rPr lang="en-US" smtClean="0"/>
-              <a:t>7/28/2021</a:t>
+              <a:t>7/29/2021</a:t>
             </a:fld>
             <a:endParaRPr lang="en-US" dirty="0"/>
           </a:p>
@@ -2723,7 +3075,7 @@
           <a:p>
             <a:fld id="{3A2BF66F-FEB0-48C1-A8B9-A73F54BB1A08}" type="datetimeFigureOut">
               <a:rPr lang="en-US" smtClean="0"/>
-              <a:t>7/28/2021</a:t>
+              <a:t>7/29/2021</a:t>
             </a:fld>
             <a:endParaRPr lang="en-US" dirty="0"/>
           </a:p>
@@ -3043,7 +3395,7 @@
           <a:p>
             <a:fld id="{3A2BF66F-FEB0-48C1-A8B9-A73F54BB1A08}" type="datetimeFigureOut">
               <a:rPr lang="en-US" smtClean="0"/>
-              <a:t>7/28/2021</a:t>
+              <a:t>7/29/2021</a:t>
             </a:fld>
             <a:endParaRPr lang="en-US" dirty="0"/>
           </a:p>
@@ -3341,7 +3693,7 @@
           <a:p>
             <a:fld id="{3A2BF66F-FEB0-48C1-A8B9-A73F54BB1A08}" type="datetimeFigureOut">
               <a:rPr lang="en-US" smtClean="0"/>
-              <a:t>7/28/2021</a:t>
+              <a:t>7/29/2021</a:t>
             </a:fld>
             <a:endParaRPr lang="en-US" dirty="0"/>
           </a:p>
@@ -3592,7 +3944,7 @@
           <a:p>
             <a:fld id="{3A2BF66F-FEB0-48C1-A8B9-A73F54BB1A08}" type="datetimeFigureOut">
               <a:rPr lang="en-US" smtClean="0"/>
-              <a:t>7/28/2021</a:t>
+              <a:t>7/29/2021</a:t>
             </a:fld>
             <a:endParaRPr lang="en-US" dirty="0"/>
           </a:p>
@@ -4372,6 +4724,588 @@
           </a:p>
         </p:txBody>
       </p:sp>
+      <mc:AlternateContent xmlns:mc="http://schemas.openxmlformats.org/markup-compatibility/2006">
+        <mc:Choice xmlns:p14="http://schemas.microsoft.com/office/powerpoint/2010/main" Requires="p14">
+          <p:contentPart p14:bwMode="auto" r:id="rId3">
+            <p14:nvContentPartPr>
+              <p14:cNvPr id="4" name="Ink 3">
+                <a:extLst>
+                  <a:ext uri="{FF2B5EF4-FFF2-40B4-BE49-F238E27FC236}">
+                    <a16:creationId xmlns:a16="http://schemas.microsoft.com/office/drawing/2014/main" id="{FA674491-2BFA-45DD-BD19-4A50633A0AF6}"/>
+                  </a:ext>
+                </a:extLst>
+              </p14:cNvPr>
+              <p14:cNvContentPartPr/>
+              <p14:nvPr/>
+            </p14:nvContentPartPr>
+            <p14:xfrm>
+              <a:off x="1621009" y="1672819"/>
+              <a:ext cx="672480" cy="37440"/>
+            </p14:xfrm>
+          </p:contentPart>
+        </mc:Choice>
+        <mc:Fallback>
+          <p:pic>
+            <p:nvPicPr>
+              <p:cNvPr id="4" name="Ink 3">
+                <a:extLst>
+                  <a:ext uri="{FF2B5EF4-FFF2-40B4-BE49-F238E27FC236}">
+                    <a16:creationId xmlns:a16="http://schemas.microsoft.com/office/drawing/2014/main" id="{FA674491-2BFA-45DD-BD19-4A50633A0AF6}"/>
+                  </a:ext>
+                </a:extLst>
+              </p:cNvPr>
+              <p:cNvPicPr/>
+              <p:nvPr/>
+            </p:nvPicPr>
+            <p:blipFill>
+              <a:blip r:embed="rId4"/>
+              <a:stretch>
+                <a:fillRect/>
+              </a:stretch>
+            </p:blipFill>
+            <p:spPr>
+              <a:xfrm>
+                <a:off x="1612009" y="1664179"/>
+                <a:ext cx="690120" cy="55080"/>
+              </a:xfrm>
+              <a:prstGeom prst="rect">
+                <a:avLst/>
+              </a:prstGeom>
+            </p:spPr>
+          </p:pic>
+        </mc:Fallback>
+      </mc:AlternateContent>
+      <mc:AlternateContent xmlns:mc="http://schemas.openxmlformats.org/markup-compatibility/2006">
+        <mc:Choice xmlns:p14="http://schemas.microsoft.com/office/powerpoint/2010/main" Requires="p14">
+          <p:contentPart p14:bwMode="auto" r:id="rId5">
+            <p14:nvContentPartPr>
+              <p14:cNvPr id="5" name="Ink 4">
+                <a:extLst>
+                  <a:ext uri="{FF2B5EF4-FFF2-40B4-BE49-F238E27FC236}">
+                    <a16:creationId xmlns:a16="http://schemas.microsoft.com/office/drawing/2014/main" id="{E04C9C25-DA6C-4950-B949-A673F284DDE4}"/>
+                  </a:ext>
+                </a:extLst>
+              </p14:cNvPr>
+              <p14:cNvContentPartPr/>
+              <p14:nvPr/>
+            </p14:nvContentPartPr>
+            <p14:xfrm>
+              <a:off x="1639009" y="2025259"/>
+              <a:ext cx="749160" cy="25560"/>
+            </p14:xfrm>
+          </p:contentPart>
+        </mc:Choice>
+        <mc:Fallback>
+          <p:pic>
+            <p:nvPicPr>
+              <p:cNvPr id="5" name="Ink 4">
+                <a:extLst>
+                  <a:ext uri="{FF2B5EF4-FFF2-40B4-BE49-F238E27FC236}">
+                    <a16:creationId xmlns:a16="http://schemas.microsoft.com/office/drawing/2014/main" id="{E04C9C25-DA6C-4950-B949-A673F284DDE4}"/>
+                  </a:ext>
+                </a:extLst>
+              </p:cNvPr>
+              <p:cNvPicPr/>
+              <p:nvPr/>
+            </p:nvPicPr>
+            <p:blipFill>
+              <a:blip r:embed="rId6"/>
+              <a:stretch>
+                <a:fillRect/>
+              </a:stretch>
+            </p:blipFill>
+            <p:spPr>
+              <a:xfrm>
+                <a:off x="1630009" y="2016259"/>
+                <a:ext cx="766800" cy="43200"/>
+              </a:xfrm>
+              <a:prstGeom prst="rect">
+                <a:avLst/>
+              </a:prstGeom>
+            </p:spPr>
+          </p:pic>
+        </mc:Fallback>
+      </mc:AlternateContent>
+      <p:grpSp>
+        <p:nvGrpSpPr>
+          <p:cNvPr id="9" name="Group 8">
+            <a:extLst>
+              <a:ext uri="{FF2B5EF4-FFF2-40B4-BE49-F238E27FC236}">
+                <a16:creationId xmlns:a16="http://schemas.microsoft.com/office/drawing/2014/main" id="{E3EF8FE5-05C2-4BBE-BC56-4E7C01EF880D}"/>
+              </a:ext>
+            </a:extLst>
+          </p:cNvPr>
+          <p:cNvGrpSpPr/>
+          <p:nvPr/>
+        </p:nvGrpSpPr>
+        <p:grpSpPr>
+          <a:xfrm>
+            <a:off x="821449" y="2391739"/>
+            <a:ext cx="1669680" cy="26640"/>
+            <a:chOff x="821449" y="2391739"/>
+            <a:chExt cx="1669680" cy="26640"/>
+          </a:xfrm>
+        </p:grpSpPr>
+        <mc:AlternateContent xmlns:mc="http://schemas.openxmlformats.org/markup-compatibility/2006">
+          <mc:Choice xmlns:p14="http://schemas.microsoft.com/office/powerpoint/2010/main" Requires="p14">
+            <p:contentPart p14:bwMode="auto" r:id="rId7">
+              <p14:nvContentPartPr>
+                <p14:cNvPr id="6" name="Ink 5">
+                  <a:extLst>
+                    <a:ext uri="{FF2B5EF4-FFF2-40B4-BE49-F238E27FC236}">
+                      <a16:creationId xmlns:a16="http://schemas.microsoft.com/office/drawing/2014/main" id="{633B97E8-738D-412D-BB50-D817087EE6B8}"/>
+                    </a:ext>
+                  </a:extLst>
+                </p14:cNvPr>
+                <p14:cNvContentPartPr/>
+                <p14:nvPr/>
+              </p14:nvContentPartPr>
+              <p14:xfrm>
+                <a:off x="1740889" y="2391739"/>
+                <a:ext cx="750240" cy="18720"/>
+              </p14:xfrm>
+            </p:contentPart>
+          </mc:Choice>
+          <mc:Fallback>
+            <p:pic>
+              <p:nvPicPr>
+                <p:cNvPr id="6" name="Ink 5">
+                  <a:extLst>
+                    <a:ext uri="{FF2B5EF4-FFF2-40B4-BE49-F238E27FC236}">
+                      <a16:creationId xmlns:a16="http://schemas.microsoft.com/office/drawing/2014/main" id="{633B97E8-738D-412D-BB50-D817087EE6B8}"/>
+                    </a:ext>
+                  </a:extLst>
+                </p:cNvPr>
+                <p:cNvPicPr/>
+                <p:nvPr/>
+              </p:nvPicPr>
+              <p:blipFill>
+                <a:blip r:embed="rId8"/>
+                <a:stretch>
+                  <a:fillRect/>
+                </a:stretch>
+              </p:blipFill>
+              <p:spPr>
+                <a:xfrm>
+                  <a:off x="1732249" y="2382739"/>
+                  <a:ext cx="767880" cy="36360"/>
+                </a:xfrm>
+                <a:prstGeom prst="rect">
+                  <a:avLst/>
+                </a:prstGeom>
+              </p:spPr>
+            </p:pic>
+          </mc:Fallback>
+        </mc:AlternateContent>
+        <mc:AlternateContent xmlns:mc="http://schemas.openxmlformats.org/markup-compatibility/2006">
+          <mc:Choice xmlns:p14="http://schemas.microsoft.com/office/powerpoint/2010/main" Requires="p14">
+            <p:contentPart p14:bwMode="auto" r:id="rId9">
+              <p14:nvContentPartPr>
+                <p14:cNvPr id="7" name="Ink 6">
+                  <a:extLst>
+                    <a:ext uri="{FF2B5EF4-FFF2-40B4-BE49-F238E27FC236}">
+                      <a16:creationId xmlns:a16="http://schemas.microsoft.com/office/drawing/2014/main" id="{204D18C5-35B1-4C40-8D87-EF4B60AEF778}"/>
+                    </a:ext>
+                  </a:extLst>
+                </p14:cNvPr>
+                <p14:cNvContentPartPr/>
+                <p14:nvPr/>
+              </p14:nvContentPartPr>
+              <p14:xfrm>
+                <a:off x="821449" y="2398219"/>
+                <a:ext cx="433080" cy="20160"/>
+              </p14:xfrm>
+            </p:contentPart>
+          </mc:Choice>
+          <mc:Fallback>
+            <p:pic>
+              <p:nvPicPr>
+                <p:cNvPr id="7" name="Ink 6">
+                  <a:extLst>
+                    <a:ext uri="{FF2B5EF4-FFF2-40B4-BE49-F238E27FC236}">
+                      <a16:creationId xmlns:a16="http://schemas.microsoft.com/office/drawing/2014/main" id="{204D18C5-35B1-4C40-8D87-EF4B60AEF778}"/>
+                    </a:ext>
+                  </a:extLst>
+                </p:cNvPr>
+                <p:cNvPicPr/>
+                <p:nvPr/>
+              </p:nvPicPr>
+              <p:blipFill>
+                <a:blip r:embed="rId10"/>
+                <a:stretch>
+                  <a:fillRect/>
+                </a:stretch>
+              </p:blipFill>
+              <p:spPr>
+                <a:xfrm>
+                  <a:off x="812449" y="2389219"/>
+                  <a:ext cx="450720" cy="37800"/>
+                </a:xfrm>
+                <a:prstGeom prst="rect">
+                  <a:avLst/>
+                </a:prstGeom>
+              </p:spPr>
+            </p:pic>
+          </mc:Fallback>
+        </mc:AlternateContent>
+      </p:grpSp>
+      <mc:AlternateContent xmlns:mc="http://schemas.openxmlformats.org/markup-compatibility/2006">
+        <mc:Choice xmlns:p14="http://schemas.microsoft.com/office/powerpoint/2010/main" Requires="p14">
+          <p:contentPart p14:bwMode="auto" r:id="rId11">
+            <p14:nvContentPartPr>
+              <p14:cNvPr id="8" name="Ink 7">
+                <a:extLst>
+                  <a:ext uri="{FF2B5EF4-FFF2-40B4-BE49-F238E27FC236}">
+                    <a16:creationId xmlns:a16="http://schemas.microsoft.com/office/drawing/2014/main" id="{9BEE028F-81F9-4E96-9862-EFD9ABF4EBD1}"/>
+                  </a:ext>
+                </a:extLst>
+              </p14:cNvPr>
+              <p14:cNvContentPartPr/>
+              <p14:nvPr/>
+            </p14:nvContentPartPr>
+            <p14:xfrm>
+              <a:off x="1251649" y="2693779"/>
+              <a:ext cx="236880" cy="28080"/>
+            </p14:xfrm>
+          </p:contentPart>
+        </mc:Choice>
+        <mc:Fallback>
+          <p:pic>
+            <p:nvPicPr>
+              <p:cNvPr id="8" name="Ink 7">
+                <a:extLst>
+                  <a:ext uri="{FF2B5EF4-FFF2-40B4-BE49-F238E27FC236}">
+                    <a16:creationId xmlns:a16="http://schemas.microsoft.com/office/drawing/2014/main" id="{9BEE028F-81F9-4E96-9862-EFD9ABF4EBD1}"/>
+                  </a:ext>
+                </a:extLst>
+              </p:cNvPr>
+              <p:cNvPicPr/>
+              <p:nvPr/>
+            </p:nvPicPr>
+            <p:blipFill>
+              <a:blip r:embed="rId12"/>
+              <a:stretch>
+                <a:fillRect/>
+              </a:stretch>
+            </p:blipFill>
+            <p:spPr>
+              <a:xfrm>
+                <a:off x="1243009" y="2685139"/>
+                <a:ext cx="254520" cy="45720"/>
+              </a:xfrm>
+              <a:prstGeom prst="rect">
+                <a:avLst/>
+              </a:prstGeom>
+            </p:spPr>
+          </p:pic>
+        </mc:Fallback>
+      </mc:AlternateContent>
+      <mc:AlternateContent xmlns:mc="http://schemas.openxmlformats.org/markup-compatibility/2006">
+        <mc:Choice xmlns:p14="http://schemas.microsoft.com/office/powerpoint/2010/main" Requires="p14">
+          <p:contentPart p14:bwMode="auto" r:id="rId13">
+            <p14:nvContentPartPr>
+              <p14:cNvPr id="11" name="Ink 10">
+                <a:extLst>
+                  <a:ext uri="{FF2B5EF4-FFF2-40B4-BE49-F238E27FC236}">
+                    <a16:creationId xmlns:a16="http://schemas.microsoft.com/office/drawing/2014/main" id="{F1640856-40C4-4E53-8743-354D95648D3C}"/>
+                  </a:ext>
+                </a:extLst>
+              </p14:cNvPr>
+              <p14:cNvContentPartPr/>
+              <p14:nvPr/>
+            </p14:nvContentPartPr>
+            <p14:xfrm>
+              <a:off x="843769" y="3052339"/>
+              <a:ext cx="1347480" cy="42480"/>
+            </p14:xfrm>
+          </p:contentPart>
+        </mc:Choice>
+        <mc:Fallback>
+          <p:pic>
+            <p:nvPicPr>
+              <p:cNvPr id="11" name="Ink 10">
+                <a:extLst>
+                  <a:ext uri="{FF2B5EF4-FFF2-40B4-BE49-F238E27FC236}">
+                    <a16:creationId xmlns:a16="http://schemas.microsoft.com/office/drawing/2014/main" id="{F1640856-40C4-4E53-8743-354D95648D3C}"/>
+                  </a:ext>
+                </a:extLst>
+              </p:cNvPr>
+              <p:cNvPicPr/>
+              <p:nvPr/>
+            </p:nvPicPr>
+            <p:blipFill>
+              <a:blip r:embed="rId14"/>
+              <a:stretch>
+                <a:fillRect/>
+              </a:stretch>
+            </p:blipFill>
+            <p:spPr>
+              <a:xfrm>
+                <a:off x="834769" y="3043699"/>
+                <a:ext cx="1365120" cy="60120"/>
+              </a:xfrm>
+              <a:prstGeom prst="rect">
+                <a:avLst/>
+              </a:prstGeom>
+            </p:spPr>
+          </p:pic>
+        </mc:Fallback>
+      </mc:AlternateContent>
+      <mc:AlternateContent xmlns:mc="http://schemas.openxmlformats.org/markup-compatibility/2006">
+        <mc:Choice xmlns:p14="http://schemas.microsoft.com/office/powerpoint/2010/main" Requires="p14">
+          <p:contentPart p14:bwMode="auto" r:id="rId15">
+            <p14:nvContentPartPr>
+              <p14:cNvPr id="14" name="Ink 13">
+                <a:extLst>
+                  <a:ext uri="{FF2B5EF4-FFF2-40B4-BE49-F238E27FC236}">
+                    <a16:creationId xmlns:a16="http://schemas.microsoft.com/office/drawing/2014/main" id="{C233D146-119F-4BB5-AA11-84FB465E003B}"/>
+                  </a:ext>
+                </a:extLst>
+              </p14:cNvPr>
+              <p14:cNvContentPartPr/>
+              <p14:nvPr/>
+            </p14:nvContentPartPr>
+            <p14:xfrm>
+              <a:off x="4022209" y="3021019"/>
+              <a:ext cx="928800" cy="68040"/>
+            </p14:xfrm>
+          </p:contentPart>
+        </mc:Choice>
+        <mc:Fallback>
+          <p:pic>
+            <p:nvPicPr>
+              <p:cNvPr id="14" name="Ink 13">
+                <a:extLst>
+                  <a:ext uri="{FF2B5EF4-FFF2-40B4-BE49-F238E27FC236}">
+                    <a16:creationId xmlns:a16="http://schemas.microsoft.com/office/drawing/2014/main" id="{C233D146-119F-4BB5-AA11-84FB465E003B}"/>
+                  </a:ext>
+                </a:extLst>
+              </p:cNvPr>
+              <p:cNvPicPr/>
+              <p:nvPr/>
+            </p:nvPicPr>
+            <p:blipFill>
+              <a:blip r:embed="rId16"/>
+              <a:stretch>
+                <a:fillRect/>
+              </a:stretch>
+            </p:blipFill>
+            <p:spPr>
+              <a:xfrm>
+                <a:off x="4013209" y="3012019"/>
+                <a:ext cx="946440" cy="85680"/>
+              </a:xfrm>
+              <a:prstGeom prst="rect">
+                <a:avLst/>
+              </a:prstGeom>
+            </p:spPr>
+          </p:pic>
+        </mc:Fallback>
+      </mc:AlternateContent>
+      <mc:AlternateContent xmlns:mc="http://schemas.openxmlformats.org/markup-compatibility/2006">
+        <mc:Choice xmlns:p14="http://schemas.microsoft.com/office/powerpoint/2010/main" Requires="p14">
+          <p:contentPart p14:bwMode="auto" r:id="rId17">
+            <p14:nvContentPartPr>
+              <p14:cNvPr id="15" name="Ink 14">
+                <a:extLst>
+                  <a:ext uri="{FF2B5EF4-FFF2-40B4-BE49-F238E27FC236}">
+                    <a16:creationId xmlns:a16="http://schemas.microsoft.com/office/drawing/2014/main" id="{96080684-1B04-44B8-98A3-802D9C5FEAAD}"/>
+                  </a:ext>
+                </a:extLst>
+              </p14:cNvPr>
+              <p14:cNvContentPartPr/>
+              <p14:nvPr/>
+            </p14:nvContentPartPr>
+            <p14:xfrm>
+              <a:off x="3023209" y="3682699"/>
+              <a:ext cx="593640" cy="35280"/>
+            </p14:xfrm>
+          </p:contentPart>
+        </mc:Choice>
+        <mc:Fallback>
+          <p:pic>
+            <p:nvPicPr>
+              <p:cNvPr id="15" name="Ink 14">
+                <a:extLst>
+                  <a:ext uri="{FF2B5EF4-FFF2-40B4-BE49-F238E27FC236}">
+                    <a16:creationId xmlns:a16="http://schemas.microsoft.com/office/drawing/2014/main" id="{96080684-1B04-44B8-98A3-802D9C5FEAAD}"/>
+                  </a:ext>
+                </a:extLst>
+              </p:cNvPr>
+              <p:cNvPicPr/>
+              <p:nvPr/>
+            </p:nvPicPr>
+            <p:blipFill>
+              <a:blip r:embed="rId18"/>
+              <a:stretch>
+                <a:fillRect/>
+              </a:stretch>
+            </p:blipFill>
+            <p:spPr>
+              <a:xfrm>
+                <a:off x="3014569" y="3673699"/>
+                <a:ext cx="611280" cy="52920"/>
+              </a:xfrm>
+              <a:prstGeom prst="rect">
+                <a:avLst/>
+              </a:prstGeom>
+            </p:spPr>
+          </p:pic>
+        </mc:Fallback>
+      </mc:AlternateContent>
+      <mc:AlternateContent xmlns:mc="http://schemas.openxmlformats.org/markup-compatibility/2006">
+        <mc:Choice xmlns:p14="http://schemas.microsoft.com/office/powerpoint/2010/main" Requires="p14">
+          <p:contentPart p14:bwMode="auto" r:id="rId19">
+            <p14:nvContentPartPr>
+              <p14:cNvPr id="16" name="Ink 15">
+                <a:extLst>
+                  <a:ext uri="{FF2B5EF4-FFF2-40B4-BE49-F238E27FC236}">
+                    <a16:creationId xmlns:a16="http://schemas.microsoft.com/office/drawing/2014/main" id="{5734D4E5-08AE-42BD-92BD-3CC33B07AF24}"/>
+                  </a:ext>
+                </a:extLst>
+              </p14:cNvPr>
+              <p14:cNvContentPartPr/>
+              <p14:nvPr/>
+            </p14:nvContentPartPr>
+            <p14:xfrm>
+              <a:off x="2753569" y="3948379"/>
+              <a:ext cx="723960" cy="41760"/>
+            </p14:xfrm>
+          </p:contentPart>
+        </mc:Choice>
+        <mc:Fallback>
+          <p:pic>
+            <p:nvPicPr>
+              <p:cNvPr id="16" name="Ink 15">
+                <a:extLst>
+                  <a:ext uri="{FF2B5EF4-FFF2-40B4-BE49-F238E27FC236}">
+                    <a16:creationId xmlns:a16="http://schemas.microsoft.com/office/drawing/2014/main" id="{5734D4E5-08AE-42BD-92BD-3CC33B07AF24}"/>
+                  </a:ext>
+                </a:extLst>
+              </p:cNvPr>
+              <p:cNvPicPr/>
+              <p:nvPr/>
+            </p:nvPicPr>
+            <p:blipFill>
+              <a:blip r:embed="rId20"/>
+              <a:stretch>
+                <a:fillRect/>
+              </a:stretch>
+            </p:blipFill>
+            <p:spPr>
+              <a:xfrm>
+                <a:off x="2744569" y="3939379"/>
+                <a:ext cx="741600" cy="59400"/>
+              </a:xfrm>
+              <a:prstGeom prst="rect">
+                <a:avLst/>
+              </a:prstGeom>
+            </p:spPr>
+          </p:pic>
+        </mc:Fallback>
+      </mc:AlternateContent>
+      <mc:AlternateContent xmlns:mc="http://schemas.openxmlformats.org/markup-compatibility/2006">
+        <mc:Choice xmlns:p14="http://schemas.microsoft.com/office/powerpoint/2010/main" Requires="p14">
+          <p:contentPart p14:bwMode="auto" r:id="rId21">
+            <p14:nvContentPartPr>
+              <p14:cNvPr id="17" name="Ink 16">
+                <a:extLst>
+                  <a:ext uri="{FF2B5EF4-FFF2-40B4-BE49-F238E27FC236}">
+                    <a16:creationId xmlns:a16="http://schemas.microsoft.com/office/drawing/2014/main" id="{821BED82-6A75-48C3-B7F9-6DE51212B6AA}"/>
+                  </a:ext>
+                </a:extLst>
+              </p14:cNvPr>
+              <p14:cNvContentPartPr/>
+              <p14:nvPr/>
+            </p14:nvContentPartPr>
+            <p14:xfrm>
+              <a:off x="763129" y="4389379"/>
+              <a:ext cx="339480" cy="118080"/>
+            </p14:xfrm>
+          </p:contentPart>
+        </mc:Choice>
+        <mc:Fallback>
+          <p:pic>
+            <p:nvPicPr>
+              <p:cNvPr id="17" name="Ink 16">
+                <a:extLst>
+                  <a:ext uri="{FF2B5EF4-FFF2-40B4-BE49-F238E27FC236}">
+                    <a16:creationId xmlns:a16="http://schemas.microsoft.com/office/drawing/2014/main" id="{821BED82-6A75-48C3-B7F9-6DE51212B6AA}"/>
+                  </a:ext>
+                </a:extLst>
+              </p:cNvPr>
+              <p:cNvPicPr/>
+              <p:nvPr/>
+            </p:nvPicPr>
+            <p:blipFill>
+              <a:blip r:embed="rId22"/>
+              <a:stretch>
+                <a:fillRect/>
+              </a:stretch>
+            </p:blipFill>
+            <p:spPr>
+              <a:xfrm>
+                <a:off x="754489" y="4380739"/>
+                <a:ext cx="357120" cy="135720"/>
+              </a:xfrm>
+              <a:prstGeom prst="rect">
+                <a:avLst/>
+              </a:prstGeom>
+            </p:spPr>
+          </p:pic>
+        </mc:Fallback>
+      </mc:AlternateContent>
+      <mc:AlternateContent xmlns:mc="http://schemas.openxmlformats.org/markup-compatibility/2006">
+        <mc:Choice xmlns:p14="http://schemas.microsoft.com/office/powerpoint/2010/main" Requires="p14">
+          <p:contentPart p14:bwMode="auto" r:id="rId23">
+            <p14:nvContentPartPr>
+              <p14:cNvPr id="20" name="Ink 19">
+                <a:extLst>
+                  <a:ext uri="{FF2B5EF4-FFF2-40B4-BE49-F238E27FC236}">
+                    <a16:creationId xmlns:a16="http://schemas.microsoft.com/office/drawing/2014/main" id="{0F611E60-94AC-430D-A0FA-E25BFB4CB2A6}"/>
+                  </a:ext>
+                </a:extLst>
+              </p14:cNvPr>
+              <p14:cNvContentPartPr/>
+              <p14:nvPr/>
+            </p14:nvContentPartPr>
+            <p14:xfrm>
+              <a:off x="3806209" y="4845139"/>
+              <a:ext cx="754920" cy="49680"/>
+            </p14:xfrm>
+          </p:contentPart>
+        </mc:Choice>
+        <mc:Fallback>
+          <p:pic>
+            <p:nvPicPr>
+              <p:cNvPr id="20" name="Ink 19">
+                <a:extLst>
+                  <a:ext uri="{FF2B5EF4-FFF2-40B4-BE49-F238E27FC236}">
+                    <a16:creationId xmlns:a16="http://schemas.microsoft.com/office/drawing/2014/main" id="{0F611E60-94AC-430D-A0FA-E25BFB4CB2A6}"/>
+                  </a:ext>
+                </a:extLst>
+              </p:cNvPr>
+              <p:cNvPicPr/>
+              <p:nvPr/>
+            </p:nvPicPr>
+            <p:blipFill>
+              <a:blip r:embed="rId24"/>
+              <a:stretch>
+                <a:fillRect/>
+              </a:stretch>
+            </p:blipFill>
+            <p:spPr>
+              <a:xfrm>
+                <a:off x="3797209" y="4836499"/>
+                <a:ext cx="772560" cy="67320"/>
+              </a:xfrm>
+              <a:prstGeom prst="rect">
+                <a:avLst/>
+              </a:prstGeom>
+            </p:spPr>
+          </p:pic>
+        </mc:Fallback>
+      </mc:AlternateContent>
     </p:spTree>
     <p:extLst>
       <p:ext uri="{BB962C8B-B14F-4D97-AF65-F5344CB8AC3E}">
